--- a/agile moves/Tomatoes (TOM)/ger_TOM_01_Aufdrehen_fertig_los.pptx
+++ b/agile moves/Tomatoes (TOM)/ger_TOM_01_Aufdrehen_fertig_los.pptx
@@ -941,7 +941,7 @@
                 <a:latin typeface="Avenir Heavy"/>
                 <a:cs typeface="Avenir Heavy"/>
               </a:rPr>
-              <a:t>TR	AININGS</a:t>
+              <a:t>TRAININGS</a:t>
             </a:r>
             <a:r>
               <a:rPr lang="de-DE" sz="2400" dirty="0" smtClean="0">
@@ -1247,6 +1247,53 @@
       </p:grpSpPr>
       <p:sp>
         <p:nvSpPr>
+          <p:cNvPr id="12" name="Rechteck 11"/>
+          <p:cNvSpPr/>
+          <p:nvPr/>
+        </p:nvSpPr>
+        <p:spPr>
+          <a:xfrm>
+            <a:off x="0" y="0"/>
+            <a:ext cx="7562850" cy="5330825"/>
+          </a:xfrm>
+          <a:prstGeom prst="rect">
+            <a:avLst/>
+          </a:prstGeom>
+          <a:noFill/>
+          <a:ln>
+            <a:solidFill>
+              <a:schemeClr val="bg1">
+                <a:lumMod val="75000"/>
+              </a:schemeClr>
+            </a:solidFill>
+          </a:ln>
+          <a:effectLst/>
+        </p:spPr>
+        <p:style>
+          <a:lnRef idx="1">
+            <a:schemeClr val="accent1"/>
+          </a:lnRef>
+          <a:fillRef idx="3">
+            <a:schemeClr val="accent1"/>
+          </a:fillRef>
+          <a:effectRef idx="2">
+            <a:schemeClr val="accent1"/>
+          </a:effectRef>
+          <a:fontRef idx="minor">
+            <a:schemeClr val="lt1"/>
+          </a:fontRef>
+        </p:style>
+        <p:txBody>
+          <a:bodyPr rtlCol="0" anchor="ctr"/>
+          <a:lstStyle/>
+          <a:p>
+            <a:pPr algn="ctr"/>
+            <a:endParaRPr lang="de-DE"/>
+          </a:p>
+        </p:txBody>
+      </p:sp>
+      <p:sp>
+        <p:nvSpPr>
           <p:cNvPr id="2" name="Titelplatzhalter 1"/>
           <p:cNvSpPr>
             <a:spLocks noGrp="1"/>
@@ -1616,7 +1663,27 @@
                 <a:latin typeface="Avenir Heavy"/>
                 <a:cs typeface="Avenir Heavy"/>
               </a:rPr>
-              <a:t>TOM-01</a:t>
+              <a:t>TOM</a:t>
+            </a:r>
+            <a:r>
+              <a:rPr lang="de-DE" sz="1050" b="1" baseline="0" dirty="0" smtClean="0">
+                <a:solidFill>
+                  <a:schemeClr val="bg1"/>
+                </a:solidFill>
+                <a:latin typeface="Avenir Heavy"/>
+                <a:cs typeface="Avenir Heavy"/>
+              </a:rPr>
+              <a:t> </a:t>
+            </a:r>
+            <a:r>
+              <a:rPr lang="de-DE" sz="1050" b="1" dirty="0" smtClean="0">
+                <a:solidFill>
+                  <a:schemeClr val="bg1"/>
+                </a:solidFill>
+                <a:latin typeface="Avenir Heavy"/>
+                <a:cs typeface="Avenir Heavy"/>
+              </a:rPr>
+              <a:t>01</a:t>
             </a:r>
             <a:endParaRPr lang="de-DE" sz="1050" b="1" dirty="0">
               <a:solidFill>
@@ -1657,53 +1724,6 @@
           </a:prstGeom>
         </p:spPr>
       </p:pic>
-      <p:sp>
-        <p:nvSpPr>
-          <p:cNvPr id="12" name="Rechteck 11"/>
-          <p:cNvSpPr/>
-          <p:nvPr/>
-        </p:nvSpPr>
-        <p:spPr>
-          <a:xfrm>
-            <a:off x="0" y="0"/>
-            <a:ext cx="7562850" cy="5330825"/>
-          </a:xfrm>
-          <a:prstGeom prst="rect">
-            <a:avLst/>
-          </a:prstGeom>
-          <a:noFill/>
-          <a:ln>
-            <a:solidFill>
-              <a:schemeClr val="bg1">
-                <a:lumMod val="75000"/>
-              </a:schemeClr>
-            </a:solidFill>
-          </a:ln>
-          <a:effectLst/>
-        </p:spPr>
-        <p:style>
-          <a:lnRef idx="1">
-            <a:schemeClr val="accent1"/>
-          </a:lnRef>
-          <a:fillRef idx="3">
-            <a:schemeClr val="accent1"/>
-          </a:fillRef>
-          <a:effectRef idx="2">
-            <a:schemeClr val="accent1"/>
-          </a:effectRef>
-          <a:fontRef idx="minor">
-            <a:schemeClr val="lt1"/>
-          </a:fontRef>
-        </p:style>
-        <p:txBody>
-          <a:bodyPr rtlCol="0" anchor="ctr"/>
-          <a:lstStyle/>
-          <a:p>
-            <a:pPr algn="ctr"/>
-            <a:endParaRPr lang="de-DE"/>
-          </a:p>
-        </p:txBody>
-      </p:sp>
     </p:spTree>
     <p:extLst>
       <p:ext uri="{BB962C8B-B14F-4D97-AF65-F5344CB8AC3E}">
